--- a/slide/GitHubActions-Workshop.pptx
+++ b/slide/GitHubActions-Workshop.pptx
@@ -9,7 +9,9 @@
     <p:sldId id="264" r:id="rId3"/>
     <p:sldId id="256" r:id="rId4"/>
     <p:sldId id="265" r:id="rId5"/>
-    <p:sldId id="257" r:id="rId6"/>
+    <p:sldId id="266" r:id="rId6"/>
+    <p:sldId id="267" r:id="rId7"/>
+    <p:sldId id="257" r:id="rId8"/>
   </p:sldIdLst>
   <p:sldSz cx="12192000" cy="6858000"/>
   <p:notesSz cx="6858000" cy="9144000"/>
@@ -265,7 +267,7 @@
           <a:p>
             <a:fld id="{485F95AF-9146-4F4C-9627-0FB71B10F345}" type="datetimeFigureOut">
               <a:rPr lang="fr-FR" smtClean="0"/>
-              <a:t>16/11/2019</a:t>
+              <a:t>19/11/2019</a:t>
             </a:fld>
             <a:endParaRPr lang="fr-FR"/>
           </a:p>
@@ -465,7 +467,7 @@
           <a:p>
             <a:fld id="{485F95AF-9146-4F4C-9627-0FB71B10F345}" type="datetimeFigureOut">
               <a:rPr lang="fr-FR" smtClean="0"/>
-              <a:t>16/11/2019</a:t>
+              <a:t>19/11/2019</a:t>
             </a:fld>
             <a:endParaRPr lang="fr-FR"/>
           </a:p>
@@ -675,7 +677,7 @@
           <a:p>
             <a:fld id="{485F95AF-9146-4F4C-9627-0FB71B10F345}" type="datetimeFigureOut">
               <a:rPr lang="fr-FR" smtClean="0"/>
-              <a:t>16/11/2019</a:t>
+              <a:t>19/11/2019</a:t>
             </a:fld>
             <a:endParaRPr lang="fr-FR"/>
           </a:p>
@@ -875,7 +877,7 @@
           <a:p>
             <a:fld id="{485F95AF-9146-4F4C-9627-0FB71B10F345}" type="datetimeFigureOut">
               <a:rPr lang="fr-FR" smtClean="0"/>
-              <a:t>16/11/2019</a:t>
+              <a:t>19/11/2019</a:t>
             </a:fld>
             <a:endParaRPr lang="fr-FR"/>
           </a:p>
@@ -1151,7 +1153,7 @@
           <a:p>
             <a:fld id="{485F95AF-9146-4F4C-9627-0FB71B10F345}" type="datetimeFigureOut">
               <a:rPr lang="fr-FR" smtClean="0"/>
-              <a:t>16/11/2019</a:t>
+              <a:t>19/11/2019</a:t>
             </a:fld>
             <a:endParaRPr lang="fr-FR"/>
           </a:p>
@@ -1419,7 +1421,7 @@
           <a:p>
             <a:fld id="{485F95AF-9146-4F4C-9627-0FB71B10F345}" type="datetimeFigureOut">
               <a:rPr lang="fr-FR" smtClean="0"/>
-              <a:t>16/11/2019</a:t>
+              <a:t>19/11/2019</a:t>
             </a:fld>
             <a:endParaRPr lang="fr-FR"/>
           </a:p>
@@ -1834,7 +1836,7 @@
           <a:p>
             <a:fld id="{485F95AF-9146-4F4C-9627-0FB71B10F345}" type="datetimeFigureOut">
               <a:rPr lang="fr-FR" smtClean="0"/>
-              <a:t>16/11/2019</a:t>
+              <a:t>19/11/2019</a:t>
             </a:fld>
             <a:endParaRPr lang="fr-FR"/>
           </a:p>
@@ -1976,7 +1978,7 @@
           <a:p>
             <a:fld id="{485F95AF-9146-4F4C-9627-0FB71B10F345}" type="datetimeFigureOut">
               <a:rPr lang="fr-FR" smtClean="0"/>
-              <a:t>16/11/2019</a:t>
+              <a:t>19/11/2019</a:t>
             </a:fld>
             <a:endParaRPr lang="fr-FR"/>
           </a:p>
@@ -2089,7 +2091,7 @@
           <a:p>
             <a:fld id="{485F95AF-9146-4F4C-9627-0FB71B10F345}" type="datetimeFigureOut">
               <a:rPr lang="fr-FR" smtClean="0"/>
-              <a:t>16/11/2019</a:t>
+              <a:t>19/11/2019</a:t>
             </a:fld>
             <a:endParaRPr lang="fr-FR"/>
           </a:p>
@@ -2402,7 +2404,7 @@
           <a:p>
             <a:fld id="{485F95AF-9146-4F4C-9627-0FB71B10F345}" type="datetimeFigureOut">
               <a:rPr lang="fr-FR" smtClean="0"/>
-              <a:t>16/11/2019</a:t>
+              <a:t>19/11/2019</a:t>
             </a:fld>
             <a:endParaRPr lang="fr-FR"/>
           </a:p>
@@ -2691,7 +2693,7 @@
           <a:p>
             <a:fld id="{485F95AF-9146-4F4C-9627-0FB71B10F345}" type="datetimeFigureOut">
               <a:rPr lang="fr-FR" smtClean="0"/>
-              <a:t>16/11/2019</a:t>
+              <a:t>19/11/2019</a:t>
             </a:fld>
             <a:endParaRPr lang="fr-FR"/>
           </a:p>
@@ -2934,7 +2936,7 @@
           <a:p>
             <a:fld id="{485F95AF-9146-4F4C-9627-0FB71B10F345}" type="datetimeFigureOut">
               <a:rPr lang="fr-FR" smtClean="0"/>
-              <a:t>16/11/2019</a:t>
+              <a:t>19/11/2019</a:t>
             </a:fld>
             <a:endParaRPr lang="fr-FR"/>
           </a:p>
@@ -5743,7 +5745,7 @@
         <p:spPr>
           <a:xfrm>
             <a:off x="480767" y="1696825"/>
-            <a:ext cx="11331019" cy="369332"/>
+            <a:ext cx="11331019" cy="2862322"/>
           </a:xfrm>
           <a:prstGeom prst="rect">
             <a:avLst/>
@@ -5758,7 +5760,104 @@
           <a:p>
             <a:r>
               <a:rPr lang="fr-FR" dirty="0"/>
-              <a:t>* GitHub Actions</a:t>
+              <a:t>GitHub Actions help to automate Software </a:t>
+            </a:r>
+            <a:r>
+              <a:rPr lang="fr-FR" dirty="0" err="1"/>
+              <a:t>creation</a:t>
+            </a:r>
+            <a:r>
+              <a:rPr lang="fr-FR" dirty="0"/>
+              <a:t> workflow.</a:t>
+            </a:r>
+          </a:p>
+          <a:p>
+            <a:endParaRPr lang="fr-FR" dirty="0"/>
+          </a:p>
+          <a:p>
+            <a:pPr marL="285750" indent="-285750">
+              <a:buFont typeface="Arial" panose="020B0604020202020204" pitchFamily="34" charset="0"/>
+              <a:buChar char="•"/>
+            </a:pPr>
+            <a:r>
+              <a:rPr lang="fr-FR" dirty="0"/>
+              <a:t>User interactions on Issues or Pull </a:t>
+            </a:r>
+            <a:r>
+              <a:rPr lang="fr-FR" dirty="0" err="1"/>
+              <a:t>Request</a:t>
+            </a:r>
+            <a:r>
+              <a:rPr lang="fr-FR" dirty="0"/>
+              <a:t> </a:t>
+            </a:r>
+          </a:p>
+          <a:p>
+            <a:pPr marL="285750" indent="-285750">
+              <a:buFont typeface="Arial" panose="020B0604020202020204" pitchFamily="34" charset="0"/>
+              <a:buChar char="•"/>
+            </a:pPr>
+            <a:r>
+              <a:rPr lang="fr-FR" dirty="0" err="1"/>
+              <a:t>Build</a:t>
+            </a:r>
+            <a:r>
+              <a:rPr lang="fr-FR" dirty="0"/>
+              <a:t> </a:t>
+            </a:r>
+          </a:p>
+          <a:p>
+            <a:pPr marL="285750" indent="-285750">
+              <a:buFont typeface="Arial" panose="020B0604020202020204" pitchFamily="34" charset="0"/>
+              <a:buChar char="•"/>
+            </a:pPr>
+            <a:r>
+              <a:rPr lang="fr-FR" dirty="0"/>
+              <a:t>Test</a:t>
+            </a:r>
+          </a:p>
+          <a:p>
+            <a:pPr marL="285750" indent="-285750">
+              <a:buFont typeface="Arial" panose="020B0604020202020204" pitchFamily="34" charset="0"/>
+              <a:buChar char="•"/>
+            </a:pPr>
+            <a:r>
+              <a:rPr lang="fr-FR" dirty="0"/>
+              <a:t>Package</a:t>
+            </a:r>
+          </a:p>
+          <a:p>
+            <a:pPr marL="285750" indent="-285750">
+              <a:buFont typeface="Arial" panose="020B0604020202020204" pitchFamily="34" charset="0"/>
+              <a:buChar char="•"/>
+            </a:pPr>
+            <a:r>
+              <a:rPr lang="fr-FR" dirty="0"/>
+              <a:t>Release</a:t>
+            </a:r>
+          </a:p>
+          <a:p>
+            <a:pPr marL="285750" indent="-285750">
+              <a:buFont typeface="Arial" panose="020B0604020202020204" pitchFamily="34" charset="0"/>
+              <a:buChar char="•"/>
+            </a:pPr>
+            <a:r>
+              <a:rPr lang="fr-FR" dirty="0" err="1"/>
+              <a:t>Deploy</a:t>
+            </a:r>
+            <a:endParaRPr lang="fr-FR" dirty="0"/>
+          </a:p>
+          <a:p>
+            <a:pPr marL="285750" indent="-285750">
+              <a:buFont typeface="Arial" panose="020B0604020202020204" pitchFamily="34" charset="0"/>
+              <a:buChar char="•"/>
+            </a:pPr>
+            <a:endParaRPr lang="fr-FR" dirty="0"/>
+          </a:p>
+          <a:p>
+            <a:r>
+              <a:rPr lang="fr-FR" dirty="0"/>
+              <a:t>Workflows run on Linux, Windows, Mac and Containers </a:t>
             </a:r>
           </a:p>
         </p:txBody>
@@ -5777,6 +5876,886 @@
 </file>
 
 <file path=ppt/slides/slide5.xml><?xml version="1.0" encoding="utf-8"?>
+<p:sld xmlns:a="http://schemas.openxmlformats.org/drawingml/2006/main" xmlns:r="http://schemas.openxmlformats.org/officeDocument/2006/relationships" xmlns:p="http://schemas.openxmlformats.org/presentationml/2006/main">
+  <p:cSld>
+    <p:spTree>
+      <p:nvGrpSpPr>
+        <p:cNvPr id="1" name=""/>
+        <p:cNvGrpSpPr/>
+        <p:nvPr/>
+      </p:nvGrpSpPr>
+      <p:grpSpPr>
+        <a:xfrm>
+          <a:off x="0" y="0"/>
+          <a:ext cx="0" cy="0"/>
+          <a:chOff x="0" y="0"/>
+          <a:chExt cx="0" cy="0"/>
+        </a:xfrm>
+      </p:grpSpPr>
+      <p:sp>
+        <p:nvSpPr>
+          <p:cNvPr id="2" name="Rectangle 1">
+            <a:extLst>
+              <a:ext uri="{FF2B5EF4-FFF2-40B4-BE49-F238E27FC236}">
+                <a16:creationId xmlns:a16="http://schemas.microsoft.com/office/drawing/2014/main" id="{F0FEB8B7-5C99-416D-AF95-B7AA69280724}"/>
+              </a:ext>
+            </a:extLst>
+          </p:cNvPr>
+          <p:cNvSpPr/>
+          <p:nvPr/>
+        </p:nvSpPr>
+        <p:spPr>
+          <a:xfrm>
+            <a:off x="362146" y="148721"/>
+            <a:ext cx="6000168" cy="707886"/>
+          </a:xfrm>
+          <a:prstGeom prst="rect">
+            <a:avLst/>
+          </a:prstGeom>
+          <a:noFill/>
+        </p:spPr>
+        <p:txBody>
+          <a:bodyPr wrap="none" lIns="91440" tIns="45720" rIns="91440" bIns="45720">
+            <a:spAutoFit/>
+            <a:scene3d>
+              <a:camera prst="orthographicFront"/>
+              <a:lightRig rig="harsh" dir="t"/>
+            </a:scene3d>
+            <a:sp3d extrusionH="57150" prstMaterial="matte">
+              <a:bevelT w="63500" h="12700" prst="angle"/>
+              <a:contourClr>
+                <a:schemeClr val="bg1">
+                  <a:lumMod val="65000"/>
+                </a:schemeClr>
+              </a:contourClr>
+            </a:sp3d>
+          </a:bodyPr>
+          <a:lstStyle/>
+          <a:p>
+            <a:pPr algn="ctr"/>
+            <a:r>
+              <a:rPr lang="en-US" sz="4000" b="1" cap="none" spc="0" dirty="0">
+                <a:ln/>
+                <a:solidFill>
+                  <a:schemeClr val="accent1">
+                    <a:lumMod val="50000"/>
+                  </a:schemeClr>
+                </a:solidFill>
+                <a:effectLst/>
+              </a:rPr>
+              <a:t>Paris PowerShell &amp; WinOps</a:t>
+            </a:r>
+          </a:p>
+        </p:txBody>
+      </p:sp>
+      <p:pic>
+        <p:nvPicPr>
+          <p:cNvPr id="8" name="Picture 7" descr="A close up of a logo&#10;&#10;Description automatically generated">
+            <a:extLst>
+              <a:ext uri="{FF2B5EF4-FFF2-40B4-BE49-F238E27FC236}">
+                <a16:creationId xmlns:a16="http://schemas.microsoft.com/office/drawing/2014/main" id="{08143BEA-96C0-41F1-B868-3A9E390322CB}"/>
+              </a:ext>
+            </a:extLst>
+          </p:cNvPr>
+          <p:cNvPicPr>
+            <a:picLocks noChangeAspect="1"/>
+          </p:cNvPicPr>
+          <p:nvPr/>
+        </p:nvPicPr>
+        <p:blipFill>
+          <a:blip r:embed="rId2">
+            <a:alphaModFix amt="20000"/>
+            <a:extLst>
+              <a:ext uri="{28A0092B-C50C-407E-A947-70E740481C1C}">
+                <a14:useLocalDpi xmlns:a14="http://schemas.microsoft.com/office/drawing/2010/main" val="0"/>
+              </a:ext>
+            </a:extLst>
+          </a:blip>
+          <a:stretch>
+            <a:fillRect/>
+          </a:stretch>
+        </p:blipFill>
+        <p:spPr>
+          <a:xfrm>
+            <a:off x="10724407" y="1"/>
+            <a:ext cx="1357460" cy="1357460"/>
+          </a:xfrm>
+          <a:prstGeom prst="rect">
+            <a:avLst/>
+          </a:prstGeom>
+          <a:effectLst>
+            <a:reflection endPos="0" dist="50800" dir="5400000" sy="-100000" algn="bl" rotWithShape="0"/>
+          </a:effectLst>
+        </p:spPr>
+      </p:pic>
+      <p:pic>
+        <p:nvPicPr>
+          <p:cNvPr id="9" name="Picture 8" descr="A close up of a logo&#10;&#10;Description automatically generated">
+            <a:extLst>
+              <a:ext uri="{FF2B5EF4-FFF2-40B4-BE49-F238E27FC236}">
+                <a16:creationId xmlns:a16="http://schemas.microsoft.com/office/drawing/2014/main" id="{FC84A18E-AE27-4902-9CEE-7A4E64A06AAA}"/>
+              </a:ext>
+            </a:extLst>
+          </p:cNvPr>
+          <p:cNvPicPr>
+            <a:picLocks noChangeAspect="1"/>
+          </p:cNvPicPr>
+          <p:nvPr/>
+        </p:nvPicPr>
+        <p:blipFill>
+          <a:blip r:embed="rId3">
+            <a:alphaModFix amt="75000"/>
+            <a:extLst>
+              <a:ext uri="{28A0092B-C50C-407E-A947-70E740481C1C}">
+                <a14:useLocalDpi xmlns:a14="http://schemas.microsoft.com/office/drawing/2010/main" val="0"/>
+              </a:ext>
+            </a:extLst>
+          </a:blip>
+          <a:stretch>
+            <a:fillRect/>
+          </a:stretch>
+        </p:blipFill>
+        <p:spPr>
+          <a:xfrm>
+            <a:off x="10661177" y="323018"/>
+            <a:ext cx="917705" cy="917705"/>
+          </a:xfrm>
+          <a:prstGeom prst="rect">
+            <a:avLst/>
+          </a:prstGeom>
+          <a:effectLst>
+            <a:reflection endPos="0" dist="50800" dir="5400000" sy="-100000" algn="bl" rotWithShape="0"/>
+          </a:effectLst>
+        </p:spPr>
+      </p:pic>
+      <p:sp>
+        <p:nvSpPr>
+          <p:cNvPr id="4" name="TextBox 3">
+            <a:extLst>
+              <a:ext uri="{FF2B5EF4-FFF2-40B4-BE49-F238E27FC236}">
+                <a16:creationId xmlns:a16="http://schemas.microsoft.com/office/drawing/2014/main" id="{7CA39731-4DFE-4EFF-BF20-50B84BDED928}"/>
+              </a:ext>
+            </a:extLst>
+          </p:cNvPr>
+          <p:cNvSpPr txBox="1"/>
+          <p:nvPr/>
+        </p:nvSpPr>
+        <p:spPr>
+          <a:xfrm>
+            <a:off x="247863" y="1866507"/>
+            <a:ext cx="11331019" cy="4801314"/>
+          </a:xfrm>
+          <a:prstGeom prst="rect">
+            <a:avLst/>
+          </a:prstGeom>
+          <a:noFill/>
+        </p:spPr>
+        <p:txBody>
+          <a:bodyPr wrap="square" rtlCol="0">
+            <a:spAutoFit/>
+          </a:bodyPr>
+          <a:lstStyle/>
+          <a:p>
+            <a:r>
+              <a:rPr lang="fr-FR" dirty="0"/>
+              <a:t>To </a:t>
+            </a:r>
+            <a:r>
+              <a:rPr lang="fr-FR" dirty="0" err="1"/>
+              <a:t>create</a:t>
+            </a:r>
+            <a:r>
+              <a:rPr lang="fr-FR" dirty="0"/>
+              <a:t> a </a:t>
+            </a:r>
+            <a:r>
+              <a:rPr lang="fr-FR" dirty="0" err="1"/>
+              <a:t>worklow</a:t>
+            </a:r>
+            <a:r>
+              <a:rPr lang="fr-FR" dirty="0"/>
+              <a:t> </a:t>
+            </a:r>
+            <a:r>
+              <a:rPr lang="fr-FR" dirty="0" err="1"/>
+              <a:t>you</a:t>
+            </a:r>
+            <a:r>
+              <a:rPr lang="fr-FR" dirty="0"/>
+              <a:t> </a:t>
+            </a:r>
+            <a:r>
+              <a:rPr lang="fr-FR" dirty="0" err="1"/>
+              <a:t>need</a:t>
+            </a:r>
+            <a:r>
+              <a:rPr lang="fr-FR" dirty="0"/>
+              <a:t> to </a:t>
+            </a:r>
+            <a:r>
+              <a:rPr lang="fr-FR" dirty="0" err="1"/>
+              <a:t>add</a:t>
+            </a:r>
+            <a:r>
+              <a:rPr lang="fr-FR" dirty="0"/>
+              <a:t> a YAML file in  .</a:t>
+            </a:r>
+            <a:r>
+              <a:rPr lang="fr-FR" dirty="0" err="1"/>
+              <a:t>github</a:t>
+            </a:r>
+            <a:r>
+              <a:rPr lang="fr-FR" dirty="0"/>
+              <a:t>/workflows</a:t>
+            </a:r>
+          </a:p>
+          <a:p>
+            <a:endParaRPr lang="fr-FR" dirty="0"/>
+          </a:p>
+          <a:p>
+            <a:r>
+              <a:rPr lang="fr-FR" dirty="0"/>
+              <a:t>A workflow must have a </a:t>
+            </a:r>
+            <a:r>
+              <a:rPr lang="fr-FR" dirty="0" err="1"/>
+              <a:t>name</a:t>
+            </a:r>
+            <a:r>
+              <a:rPr lang="fr-FR" dirty="0"/>
+              <a:t> and at least one job</a:t>
+            </a:r>
+          </a:p>
+          <a:p>
+            <a:endParaRPr lang="fr-FR" dirty="0"/>
+          </a:p>
+          <a:p>
+            <a:r>
+              <a:rPr lang="fr-FR" dirty="0" err="1"/>
+              <a:t>Each</a:t>
+            </a:r>
+            <a:r>
+              <a:rPr lang="fr-FR" dirty="0"/>
+              <a:t> job </a:t>
+            </a:r>
+            <a:r>
+              <a:rPr lang="fr-FR" dirty="0" err="1"/>
+              <a:t>contains</a:t>
+            </a:r>
+            <a:r>
+              <a:rPr lang="fr-FR" dirty="0"/>
+              <a:t> one or more </a:t>
+            </a:r>
+            <a:r>
+              <a:rPr lang="fr-FR" dirty="0" err="1"/>
+              <a:t>step</a:t>
+            </a:r>
+            <a:endParaRPr lang="fr-FR" dirty="0"/>
+          </a:p>
+          <a:p>
+            <a:endParaRPr lang="fr-FR" dirty="0"/>
+          </a:p>
+          <a:p>
+            <a:r>
+              <a:rPr lang="fr-FR" dirty="0"/>
+              <a:t>Workflow are </a:t>
+            </a:r>
+            <a:r>
+              <a:rPr lang="fr-FR" dirty="0" err="1"/>
+              <a:t>triggered</a:t>
+            </a:r>
+            <a:r>
+              <a:rPr lang="fr-FR" dirty="0"/>
+              <a:t> by an </a:t>
+            </a:r>
+            <a:r>
+              <a:rPr lang="fr-FR" dirty="0" err="1"/>
+              <a:t>event</a:t>
+            </a:r>
+            <a:r>
+              <a:rPr lang="fr-FR" dirty="0"/>
+              <a:t>; new issue, pull </a:t>
+            </a:r>
+            <a:r>
+              <a:rPr lang="fr-FR" dirty="0" err="1"/>
+              <a:t>request</a:t>
+            </a:r>
+            <a:r>
+              <a:rPr lang="fr-FR" dirty="0"/>
+              <a:t>, push or </a:t>
+            </a:r>
+            <a:r>
+              <a:rPr lang="fr-FR" dirty="0" err="1"/>
+              <a:t>schedule</a:t>
+            </a:r>
+            <a:r>
+              <a:rPr lang="fr-FR" dirty="0"/>
+              <a:t> </a:t>
+            </a:r>
+          </a:p>
+          <a:p>
+            <a:endParaRPr lang="fr-FR" dirty="0"/>
+          </a:p>
+          <a:p>
+            <a:r>
+              <a:rPr lang="fr-FR" dirty="0"/>
+              <a:t>You can </a:t>
+            </a:r>
+            <a:r>
+              <a:rPr lang="fr-FR" dirty="0" err="1"/>
+              <a:t>filter</a:t>
+            </a:r>
+            <a:r>
+              <a:rPr lang="fr-FR" dirty="0"/>
+              <a:t> by </a:t>
+            </a:r>
+            <a:r>
+              <a:rPr lang="fr-FR" dirty="0" err="1"/>
+              <a:t>branch</a:t>
+            </a:r>
+            <a:r>
+              <a:rPr lang="fr-FR" dirty="0"/>
+              <a:t>, tags or </a:t>
+            </a:r>
+            <a:r>
+              <a:rPr lang="fr-FR" dirty="0" err="1"/>
+              <a:t>path</a:t>
+            </a:r>
+            <a:endParaRPr lang="fr-FR" dirty="0"/>
+          </a:p>
+          <a:p>
+            <a:endParaRPr lang="fr-FR" dirty="0"/>
+          </a:p>
+          <a:p>
+            <a:r>
+              <a:rPr lang="fr-FR" dirty="0"/>
+              <a:t>You can </a:t>
+            </a:r>
+            <a:r>
+              <a:rPr lang="fr-FR" dirty="0" err="1"/>
+              <a:t>choose</a:t>
+            </a:r>
+            <a:r>
+              <a:rPr lang="fr-FR" dirty="0"/>
+              <a:t> the </a:t>
+            </a:r>
+            <a:r>
+              <a:rPr lang="fr-FR" dirty="0" err="1"/>
+              <a:t>plateform</a:t>
+            </a:r>
+            <a:r>
+              <a:rPr lang="fr-FR" dirty="0"/>
+              <a:t> </a:t>
+            </a:r>
+          </a:p>
+          <a:p>
+            <a:endParaRPr lang="fr-FR" dirty="0"/>
+          </a:p>
+          <a:p>
+            <a:r>
+              <a:rPr lang="fr-FR" dirty="0"/>
+              <a:t>You can </a:t>
+            </a:r>
+            <a:r>
+              <a:rPr lang="fr-FR" dirty="0" err="1"/>
+              <a:t>see</a:t>
+            </a:r>
+            <a:r>
+              <a:rPr lang="fr-FR" dirty="0"/>
+              <a:t> the </a:t>
+            </a:r>
+            <a:r>
+              <a:rPr lang="fr-FR" dirty="0" err="1"/>
+              <a:t>result</a:t>
+            </a:r>
+            <a:r>
+              <a:rPr lang="fr-FR" dirty="0"/>
+              <a:t> of the workflow </a:t>
+            </a:r>
+            <a:r>
+              <a:rPr lang="fr-FR" dirty="0" err="1"/>
+              <a:t>from</a:t>
+            </a:r>
+            <a:r>
+              <a:rPr lang="fr-FR" dirty="0"/>
+              <a:t> GitHub </a:t>
+            </a:r>
+          </a:p>
+          <a:p>
+            <a:endParaRPr lang="fr-FR" dirty="0"/>
+          </a:p>
+          <a:p>
+            <a:r>
+              <a:rPr lang="fr-FR" dirty="0"/>
+              <a:t>You can </a:t>
+            </a:r>
+            <a:r>
+              <a:rPr lang="fr-FR" dirty="0" err="1"/>
+              <a:t>also</a:t>
+            </a:r>
+            <a:r>
+              <a:rPr lang="fr-FR" dirty="0"/>
+              <a:t> </a:t>
+            </a:r>
+            <a:r>
+              <a:rPr lang="fr-FR" dirty="0" err="1"/>
+              <a:t>create</a:t>
+            </a:r>
+            <a:r>
+              <a:rPr lang="fr-FR" dirty="0"/>
+              <a:t> secret and </a:t>
+            </a:r>
+            <a:r>
+              <a:rPr lang="fr-FR" dirty="0" err="1"/>
+              <a:t>environement</a:t>
+            </a:r>
+            <a:r>
+              <a:rPr lang="fr-FR" dirty="0"/>
+              <a:t> variable </a:t>
+            </a:r>
+          </a:p>
+          <a:p>
+            <a:endParaRPr lang="fr-FR" dirty="0"/>
+          </a:p>
+          <a:p>
+            <a:endParaRPr lang="fr-FR" dirty="0"/>
+          </a:p>
+        </p:txBody>
+      </p:sp>
+    </p:spTree>
+    <p:extLst>
+      <p:ext uri="{BB962C8B-B14F-4D97-AF65-F5344CB8AC3E}">
+        <p14:creationId xmlns:p14="http://schemas.microsoft.com/office/powerpoint/2010/main" val="2422786279"/>
+      </p:ext>
+    </p:extLst>
+  </p:cSld>
+  <p:clrMapOvr>
+    <a:masterClrMapping/>
+  </p:clrMapOvr>
+</p:sld>
+</file>
+
+<file path=ppt/slides/slide6.xml><?xml version="1.0" encoding="utf-8"?>
+<p:sld xmlns:a="http://schemas.openxmlformats.org/drawingml/2006/main" xmlns:r="http://schemas.openxmlformats.org/officeDocument/2006/relationships" xmlns:p="http://schemas.openxmlformats.org/presentationml/2006/main">
+  <p:cSld>
+    <p:spTree>
+      <p:nvGrpSpPr>
+        <p:cNvPr id="1" name=""/>
+        <p:cNvGrpSpPr/>
+        <p:nvPr/>
+      </p:nvGrpSpPr>
+      <p:grpSpPr>
+        <a:xfrm>
+          <a:off x="0" y="0"/>
+          <a:ext cx="0" cy="0"/>
+          <a:chOff x="0" y="0"/>
+          <a:chExt cx="0" cy="0"/>
+        </a:xfrm>
+      </p:grpSpPr>
+      <p:sp>
+        <p:nvSpPr>
+          <p:cNvPr id="2" name="Rectangle 1">
+            <a:extLst>
+              <a:ext uri="{FF2B5EF4-FFF2-40B4-BE49-F238E27FC236}">
+                <a16:creationId xmlns:a16="http://schemas.microsoft.com/office/drawing/2014/main" id="{F0FEB8B7-5C99-416D-AF95-B7AA69280724}"/>
+              </a:ext>
+            </a:extLst>
+          </p:cNvPr>
+          <p:cNvSpPr/>
+          <p:nvPr/>
+        </p:nvSpPr>
+        <p:spPr>
+          <a:xfrm>
+            <a:off x="362146" y="148721"/>
+            <a:ext cx="6000168" cy="707886"/>
+          </a:xfrm>
+          <a:prstGeom prst="rect">
+            <a:avLst/>
+          </a:prstGeom>
+          <a:noFill/>
+        </p:spPr>
+        <p:txBody>
+          <a:bodyPr wrap="none" lIns="91440" tIns="45720" rIns="91440" bIns="45720">
+            <a:spAutoFit/>
+            <a:scene3d>
+              <a:camera prst="orthographicFront"/>
+              <a:lightRig rig="harsh" dir="t"/>
+            </a:scene3d>
+            <a:sp3d extrusionH="57150" prstMaterial="matte">
+              <a:bevelT w="63500" h="12700" prst="angle"/>
+              <a:contourClr>
+                <a:schemeClr val="bg1">
+                  <a:lumMod val="65000"/>
+                </a:schemeClr>
+              </a:contourClr>
+            </a:sp3d>
+          </a:bodyPr>
+          <a:lstStyle/>
+          <a:p>
+            <a:pPr algn="ctr"/>
+            <a:r>
+              <a:rPr lang="en-US" sz="4000" b="1" cap="none" spc="0" dirty="0">
+                <a:ln/>
+                <a:solidFill>
+                  <a:schemeClr val="accent1">
+                    <a:lumMod val="50000"/>
+                  </a:schemeClr>
+                </a:solidFill>
+                <a:effectLst/>
+              </a:rPr>
+              <a:t>Paris PowerShell &amp; WinOps</a:t>
+            </a:r>
+          </a:p>
+        </p:txBody>
+      </p:sp>
+      <p:pic>
+        <p:nvPicPr>
+          <p:cNvPr id="8" name="Picture 7" descr="A close up of a logo&#10;&#10;Description automatically generated">
+            <a:extLst>
+              <a:ext uri="{FF2B5EF4-FFF2-40B4-BE49-F238E27FC236}">
+                <a16:creationId xmlns:a16="http://schemas.microsoft.com/office/drawing/2014/main" id="{08143BEA-96C0-41F1-B868-3A9E390322CB}"/>
+              </a:ext>
+            </a:extLst>
+          </p:cNvPr>
+          <p:cNvPicPr>
+            <a:picLocks noChangeAspect="1"/>
+          </p:cNvPicPr>
+          <p:nvPr/>
+        </p:nvPicPr>
+        <p:blipFill>
+          <a:blip r:embed="rId2">
+            <a:alphaModFix amt="20000"/>
+            <a:extLst>
+              <a:ext uri="{28A0092B-C50C-407E-A947-70E740481C1C}">
+                <a14:useLocalDpi xmlns:a14="http://schemas.microsoft.com/office/drawing/2010/main" val="0"/>
+              </a:ext>
+            </a:extLst>
+          </a:blip>
+          <a:stretch>
+            <a:fillRect/>
+          </a:stretch>
+        </p:blipFill>
+        <p:spPr>
+          <a:xfrm>
+            <a:off x="10724407" y="1"/>
+            <a:ext cx="1357460" cy="1357460"/>
+          </a:xfrm>
+          <a:prstGeom prst="rect">
+            <a:avLst/>
+          </a:prstGeom>
+          <a:effectLst>
+            <a:reflection endPos="0" dist="50800" dir="5400000" sy="-100000" algn="bl" rotWithShape="0"/>
+          </a:effectLst>
+        </p:spPr>
+      </p:pic>
+      <p:pic>
+        <p:nvPicPr>
+          <p:cNvPr id="9" name="Picture 8" descr="A close up of a logo&#10;&#10;Description automatically generated">
+            <a:extLst>
+              <a:ext uri="{FF2B5EF4-FFF2-40B4-BE49-F238E27FC236}">
+                <a16:creationId xmlns:a16="http://schemas.microsoft.com/office/drawing/2014/main" id="{FC84A18E-AE27-4902-9CEE-7A4E64A06AAA}"/>
+              </a:ext>
+            </a:extLst>
+          </p:cNvPr>
+          <p:cNvPicPr>
+            <a:picLocks noChangeAspect="1"/>
+          </p:cNvPicPr>
+          <p:nvPr/>
+        </p:nvPicPr>
+        <p:blipFill>
+          <a:blip r:embed="rId3">
+            <a:alphaModFix amt="75000"/>
+            <a:extLst>
+              <a:ext uri="{28A0092B-C50C-407E-A947-70E740481C1C}">
+                <a14:useLocalDpi xmlns:a14="http://schemas.microsoft.com/office/drawing/2010/main" val="0"/>
+              </a:ext>
+            </a:extLst>
+          </a:blip>
+          <a:stretch>
+            <a:fillRect/>
+          </a:stretch>
+        </p:blipFill>
+        <p:spPr>
+          <a:xfrm>
+            <a:off x="10661177" y="323018"/>
+            <a:ext cx="917705" cy="917705"/>
+          </a:xfrm>
+          <a:prstGeom prst="rect">
+            <a:avLst/>
+          </a:prstGeom>
+          <a:effectLst>
+            <a:reflection endPos="0" dist="50800" dir="5400000" sy="-100000" algn="bl" rotWithShape="0"/>
+          </a:effectLst>
+        </p:spPr>
+      </p:pic>
+      <p:sp>
+        <p:nvSpPr>
+          <p:cNvPr id="4" name="TextBox 3">
+            <a:extLst>
+              <a:ext uri="{FF2B5EF4-FFF2-40B4-BE49-F238E27FC236}">
+                <a16:creationId xmlns:a16="http://schemas.microsoft.com/office/drawing/2014/main" id="{7CA39731-4DFE-4EFF-BF20-50B84BDED928}"/>
+              </a:ext>
+            </a:extLst>
+          </p:cNvPr>
+          <p:cNvSpPr txBox="1"/>
+          <p:nvPr/>
+        </p:nvSpPr>
+        <p:spPr>
+          <a:xfrm>
+            <a:off x="247863" y="1563740"/>
+            <a:ext cx="11331019" cy="4524315"/>
+          </a:xfrm>
+          <a:prstGeom prst="rect">
+            <a:avLst/>
+          </a:prstGeom>
+          <a:noFill/>
+        </p:spPr>
+        <p:txBody>
+          <a:bodyPr wrap="square" rtlCol="0">
+            <a:spAutoFit/>
+          </a:bodyPr>
+          <a:lstStyle/>
+          <a:p>
+            <a:r>
+              <a:rPr lang="fr-FR" dirty="0"/>
+              <a:t>Workflow are </a:t>
+            </a:r>
+            <a:r>
+              <a:rPr lang="fr-FR" dirty="0" err="1"/>
+              <a:t>based</a:t>
+            </a:r>
+            <a:r>
+              <a:rPr lang="fr-FR" dirty="0"/>
+              <a:t> on actions </a:t>
+            </a:r>
+            <a:r>
+              <a:rPr lang="fr-FR" dirty="0" err="1"/>
+              <a:t>you</a:t>
+            </a:r>
+            <a:r>
+              <a:rPr lang="fr-FR" dirty="0"/>
+              <a:t> can use to </a:t>
+            </a:r>
+            <a:r>
+              <a:rPr lang="fr-FR" dirty="0" err="1"/>
+              <a:t>perform</a:t>
+            </a:r>
+            <a:r>
+              <a:rPr lang="fr-FR" dirty="0"/>
+              <a:t> </a:t>
+            </a:r>
+            <a:r>
+              <a:rPr lang="fr-FR" dirty="0" err="1"/>
+              <a:t>special</a:t>
+            </a:r>
+            <a:r>
+              <a:rPr lang="fr-FR" dirty="0"/>
+              <a:t> </a:t>
+            </a:r>
+            <a:r>
+              <a:rPr lang="fr-FR" dirty="0" err="1"/>
+              <a:t>tasks</a:t>
+            </a:r>
+            <a:endParaRPr lang="fr-FR" dirty="0"/>
+          </a:p>
+          <a:p>
+            <a:endParaRPr lang="fr-FR" dirty="0"/>
+          </a:p>
+          <a:p>
+            <a:pPr marL="285750" indent="-285750">
+              <a:buFont typeface="Arial" panose="020B0604020202020204" pitchFamily="34" charset="0"/>
+              <a:buChar char="•"/>
+            </a:pPr>
+            <a:r>
+              <a:rPr lang="fr-FR" dirty="0"/>
+              <a:t>Workflow </a:t>
+            </a:r>
+          </a:p>
+          <a:p>
+            <a:pPr marL="742950" lvl="1" indent="-285750">
+              <a:buFont typeface="Arial" panose="020B0604020202020204" pitchFamily="34" charset="0"/>
+              <a:buChar char="•"/>
+            </a:pPr>
+            <a:r>
+              <a:rPr lang="fr-FR" dirty="0" err="1"/>
+              <a:t>Checkout</a:t>
+            </a:r>
+            <a:endParaRPr lang="fr-FR" dirty="0"/>
+          </a:p>
+          <a:p>
+            <a:pPr marL="742950" lvl="1" indent="-285750">
+              <a:buFont typeface="Arial" panose="020B0604020202020204" pitchFamily="34" charset="0"/>
+              <a:buChar char="•"/>
+            </a:pPr>
+            <a:r>
+              <a:rPr lang="fr-FR" dirty="0" err="1"/>
+              <a:t>Upload</a:t>
+            </a:r>
+            <a:r>
+              <a:rPr lang="fr-FR" dirty="0"/>
+              <a:t>/download-artefact</a:t>
+            </a:r>
+          </a:p>
+          <a:p>
+            <a:pPr marL="742950" lvl="1" indent="-285750">
+              <a:buFont typeface="Arial" panose="020B0604020202020204" pitchFamily="34" charset="0"/>
+              <a:buChar char="•"/>
+            </a:pPr>
+            <a:r>
+              <a:rPr lang="fr-FR" dirty="0"/>
+              <a:t>Cache</a:t>
+            </a:r>
+          </a:p>
+          <a:p>
+            <a:pPr marL="742950" lvl="1" indent="-285750">
+              <a:buFont typeface="Arial" panose="020B0604020202020204" pitchFamily="34" charset="0"/>
+              <a:buChar char="•"/>
+            </a:pPr>
+            <a:r>
+              <a:rPr lang="fr-FR" dirty="0" err="1"/>
+              <a:t>Github</a:t>
+            </a:r>
+            <a:r>
+              <a:rPr lang="fr-FR" dirty="0"/>
+              <a:t>-script</a:t>
+            </a:r>
+          </a:p>
+          <a:p>
+            <a:pPr lvl="1"/>
+            <a:endParaRPr lang="fr-FR" dirty="0"/>
+          </a:p>
+          <a:p>
+            <a:pPr marL="285750" indent="-285750">
+              <a:buFont typeface="Arial" panose="020B0604020202020204" pitchFamily="34" charset="0"/>
+              <a:buChar char="•"/>
+            </a:pPr>
+            <a:r>
+              <a:rPr lang="fr-FR" dirty="0"/>
+              <a:t>Automation </a:t>
+            </a:r>
+          </a:p>
+          <a:p>
+            <a:pPr marL="742950" lvl="1" indent="-285750">
+              <a:buFont typeface="Arial" panose="020B0604020202020204" pitchFamily="34" charset="0"/>
+              <a:buChar char="•"/>
+            </a:pPr>
+            <a:r>
+              <a:rPr lang="fr-FR" dirty="0" err="1"/>
+              <a:t>create</a:t>
+            </a:r>
+            <a:r>
+              <a:rPr lang="fr-FR" dirty="0"/>
+              <a:t>-/</a:t>
+            </a:r>
+            <a:r>
+              <a:rPr lang="fr-FR" dirty="0" err="1"/>
+              <a:t>upload</a:t>
+            </a:r>
+            <a:r>
+              <a:rPr lang="fr-FR" dirty="0"/>
+              <a:t>-release</a:t>
+            </a:r>
+          </a:p>
+          <a:p>
+            <a:pPr marL="742950" lvl="1" indent="-285750">
+              <a:buFont typeface="Arial" panose="020B0604020202020204" pitchFamily="34" charset="0"/>
+              <a:buChar char="•"/>
+            </a:pPr>
+            <a:r>
+              <a:rPr lang="fr-FR" dirty="0"/>
+              <a:t>First-interaction</a:t>
+            </a:r>
+          </a:p>
+          <a:p>
+            <a:pPr marL="742950" lvl="1" indent="-285750">
+              <a:buFont typeface="Arial" panose="020B0604020202020204" pitchFamily="34" charset="0"/>
+              <a:buChar char="•"/>
+            </a:pPr>
+            <a:r>
+              <a:rPr lang="fr-FR" dirty="0" err="1"/>
+              <a:t>Stale</a:t>
+            </a:r>
+            <a:endParaRPr lang="fr-FR" dirty="0"/>
+          </a:p>
+          <a:p>
+            <a:pPr marL="742950" lvl="1" indent="-285750">
+              <a:buFont typeface="Arial" panose="020B0604020202020204" pitchFamily="34" charset="0"/>
+              <a:buChar char="•"/>
+            </a:pPr>
+            <a:r>
+              <a:rPr lang="fr-FR" dirty="0"/>
+              <a:t>Label</a:t>
+            </a:r>
+          </a:p>
+          <a:p>
+            <a:pPr marL="742950" lvl="1" indent="-285750">
+              <a:buFont typeface="Arial" panose="020B0604020202020204" pitchFamily="34" charset="0"/>
+              <a:buChar char="•"/>
+            </a:pPr>
+            <a:endParaRPr lang="fr-FR" dirty="0"/>
+          </a:p>
+          <a:p>
+            <a:pPr marL="742950" lvl="1" indent="-285750">
+              <a:buFont typeface="Arial" panose="020B0604020202020204" pitchFamily="34" charset="0"/>
+              <a:buChar char="•"/>
+            </a:pPr>
+            <a:endParaRPr lang="fr-FR" dirty="0"/>
+          </a:p>
+          <a:p>
+            <a:r>
+              <a:rPr lang="fr-FR" dirty="0"/>
+              <a:t>You can </a:t>
+            </a:r>
+            <a:r>
+              <a:rPr lang="fr-FR" dirty="0" err="1"/>
+              <a:t>also</a:t>
+            </a:r>
+            <a:r>
+              <a:rPr lang="fr-FR" dirty="0"/>
+              <a:t> use </a:t>
+            </a:r>
+            <a:r>
+              <a:rPr lang="fr-FR" dirty="0" err="1"/>
+              <a:t>you</a:t>
+            </a:r>
+            <a:r>
+              <a:rPr lang="fr-FR" dirty="0"/>
+              <a:t> </a:t>
+            </a:r>
+            <a:r>
+              <a:rPr lang="fr-FR" dirty="0" err="1"/>
+              <a:t>own</a:t>
+            </a:r>
+            <a:r>
+              <a:rPr lang="fr-FR" dirty="0"/>
+              <a:t> action or </a:t>
+            </a:r>
+            <a:r>
+              <a:rPr lang="fr-FR" dirty="0" err="1"/>
+              <a:t>community</a:t>
+            </a:r>
+            <a:r>
+              <a:rPr lang="fr-FR"/>
+              <a:t> actions</a:t>
+            </a:r>
+            <a:endParaRPr lang="fr-FR" dirty="0"/>
+          </a:p>
+        </p:txBody>
+      </p:sp>
+    </p:spTree>
+    <p:extLst>
+      <p:ext uri="{BB962C8B-B14F-4D97-AF65-F5344CB8AC3E}">
+        <p14:creationId xmlns:p14="http://schemas.microsoft.com/office/powerpoint/2010/main" val="1531096970"/>
+      </p:ext>
+    </p:extLst>
+  </p:cSld>
+  <p:clrMapOvr>
+    <a:masterClrMapping/>
+  </p:clrMapOvr>
+</p:sld>
+</file>
+
+<file path=ppt/slides/slide7.xml><?xml version="1.0" encoding="utf-8"?>
 <p:sld xmlns:a="http://schemas.openxmlformats.org/drawingml/2006/main" xmlns:r="http://schemas.openxmlformats.org/officeDocument/2006/relationships" xmlns:p="http://schemas.openxmlformats.org/presentationml/2006/main">
   <p:cSld>
     <p:bg>

--- a/slide/GitHubActions-Workshop.pptx
+++ b/slide/GitHubActions-Workshop.pptx
@@ -11,7 +11,8 @@
     <p:sldId id="265" r:id="rId5"/>
     <p:sldId id="266" r:id="rId6"/>
     <p:sldId id="267" r:id="rId7"/>
-    <p:sldId id="257" r:id="rId8"/>
+    <p:sldId id="268" r:id="rId8"/>
+    <p:sldId id="257" r:id="rId9"/>
   </p:sldIdLst>
   <p:sldSz cx="12192000" cy="6858000"/>
   <p:notesSz cx="6858000" cy="9144000"/>
@@ -267,7 +268,7 @@
           <a:p>
             <a:fld id="{485F95AF-9146-4F4C-9627-0FB71B10F345}" type="datetimeFigureOut">
               <a:rPr lang="fr-FR" smtClean="0"/>
-              <a:t>19/11/2019</a:t>
+              <a:t>20/11/2019</a:t>
             </a:fld>
             <a:endParaRPr lang="fr-FR"/>
           </a:p>
@@ -467,7 +468,7 @@
           <a:p>
             <a:fld id="{485F95AF-9146-4F4C-9627-0FB71B10F345}" type="datetimeFigureOut">
               <a:rPr lang="fr-FR" smtClean="0"/>
-              <a:t>19/11/2019</a:t>
+              <a:t>20/11/2019</a:t>
             </a:fld>
             <a:endParaRPr lang="fr-FR"/>
           </a:p>
@@ -677,7 +678,7 @@
           <a:p>
             <a:fld id="{485F95AF-9146-4F4C-9627-0FB71B10F345}" type="datetimeFigureOut">
               <a:rPr lang="fr-FR" smtClean="0"/>
-              <a:t>19/11/2019</a:t>
+              <a:t>20/11/2019</a:t>
             </a:fld>
             <a:endParaRPr lang="fr-FR"/>
           </a:p>
@@ -877,7 +878,7 @@
           <a:p>
             <a:fld id="{485F95AF-9146-4F4C-9627-0FB71B10F345}" type="datetimeFigureOut">
               <a:rPr lang="fr-FR" smtClean="0"/>
-              <a:t>19/11/2019</a:t>
+              <a:t>20/11/2019</a:t>
             </a:fld>
             <a:endParaRPr lang="fr-FR"/>
           </a:p>
@@ -1153,7 +1154,7 @@
           <a:p>
             <a:fld id="{485F95AF-9146-4F4C-9627-0FB71B10F345}" type="datetimeFigureOut">
               <a:rPr lang="fr-FR" smtClean="0"/>
-              <a:t>19/11/2019</a:t>
+              <a:t>20/11/2019</a:t>
             </a:fld>
             <a:endParaRPr lang="fr-FR"/>
           </a:p>
@@ -1421,7 +1422,7 @@
           <a:p>
             <a:fld id="{485F95AF-9146-4F4C-9627-0FB71B10F345}" type="datetimeFigureOut">
               <a:rPr lang="fr-FR" smtClean="0"/>
-              <a:t>19/11/2019</a:t>
+              <a:t>20/11/2019</a:t>
             </a:fld>
             <a:endParaRPr lang="fr-FR"/>
           </a:p>
@@ -1836,7 +1837,7 @@
           <a:p>
             <a:fld id="{485F95AF-9146-4F4C-9627-0FB71B10F345}" type="datetimeFigureOut">
               <a:rPr lang="fr-FR" smtClean="0"/>
-              <a:t>19/11/2019</a:t>
+              <a:t>20/11/2019</a:t>
             </a:fld>
             <a:endParaRPr lang="fr-FR"/>
           </a:p>
@@ -1978,7 +1979,7 @@
           <a:p>
             <a:fld id="{485F95AF-9146-4F4C-9627-0FB71B10F345}" type="datetimeFigureOut">
               <a:rPr lang="fr-FR" smtClean="0"/>
-              <a:t>19/11/2019</a:t>
+              <a:t>20/11/2019</a:t>
             </a:fld>
             <a:endParaRPr lang="fr-FR"/>
           </a:p>
@@ -2091,7 +2092,7 @@
           <a:p>
             <a:fld id="{485F95AF-9146-4F4C-9627-0FB71B10F345}" type="datetimeFigureOut">
               <a:rPr lang="fr-FR" smtClean="0"/>
-              <a:t>19/11/2019</a:t>
+              <a:t>20/11/2019</a:t>
             </a:fld>
             <a:endParaRPr lang="fr-FR"/>
           </a:p>
@@ -2404,7 +2405,7 @@
           <a:p>
             <a:fld id="{485F95AF-9146-4F4C-9627-0FB71B10F345}" type="datetimeFigureOut">
               <a:rPr lang="fr-FR" smtClean="0"/>
-              <a:t>19/11/2019</a:t>
+              <a:t>20/11/2019</a:t>
             </a:fld>
             <a:endParaRPr lang="fr-FR"/>
           </a:p>
@@ -2693,7 +2694,7 @@
           <a:p>
             <a:fld id="{485F95AF-9146-4F4C-9627-0FB71B10F345}" type="datetimeFigureOut">
               <a:rPr lang="fr-FR" smtClean="0"/>
-              <a:t>19/11/2019</a:t>
+              <a:t>20/11/2019</a:t>
             </a:fld>
             <a:endParaRPr lang="fr-FR"/>
           </a:p>
@@ -2936,7 +2937,7 @@
           <a:p>
             <a:fld id="{485F95AF-9146-4F4C-9627-0FB71B10F345}" type="datetimeFigureOut">
               <a:rPr lang="fr-FR" smtClean="0"/>
-              <a:t>19/11/2019</a:t>
+              <a:t>20/11/2019</a:t>
             </a:fld>
             <a:endParaRPr lang="fr-FR"/>
           </a:p>
@@ -6756,6 +6757,283 @@
 </file>
 
 <file path=ppt/slides/slide7.xml><?xml version="1.0" encoding="utf-8"?>
+<p:sld xmlns:a="http://schemas.openxmlformats.org/drawingml/2006/main" xmlns:r="http://schemas.openxmlformats.org/officeDocument/2006/relationships" xmlns:p="http://schemas.openxmlformats.org/presentationml/2006/main">
+  <p:cSld>
+    <p:spTree>
+      <p:nvGrpSpPr>
+        <p:cNvPr id="1" name=""/>
+        <p:cNvGrpSpPr/>
+        <p:nvPr/>
+      </p:nvGrpSpPr>
+      <p:grpSpPr>
+        <a:xfrm>
+          <a:off x="0" y="0"/>
+          <a:ext cx="0" cy="0"/>
+          <a:chOff x="0" y="0"/>
+          <a:chExt cx="0" cy="0"/>
+        </a:xfrm>
+      </p:grpSpPr>
+      <p:sp>
+        <p:nvSpPr>
+          <p:cNvPr id="2" name="Rectangle 1">
+            <a:extLst>
+              <a:ext uri="{FF2B5EF4-FFF2-40B4-BE49-F238E27FC236}">
+                <a16:creationId xmlns:a16="http://schemas.microsoft.com/office/drawing/2014/main" id="{F0FEB8B7-5C99-416D-AF95-B7AA69280724}"/>
+              </a:ext>
+            </a:extLst>
+          </p:cNvPr>
+          <p:cNvSpPr/>
+          <p:nvPr/>
+        </p:nvSpPr>
+        <p:spPr>
+          <a:xfrm>
+            <a:off x="362146" y="148721"/>
+            <a:ext cx="6000168" cy="707886"/>
+          </a:xfrm>
+          <a:prstGeom prst="rect">
+            <a:avLst/>
+          </a:prstGeom>
+          <a:noFill/>
+        </p:spPr>
+        <p:txBody>
+          <a:bodyPr wrap="none" lIns="91440" tIns="45720" rIns="91440" bIns="45720">
+            <a:spAutoFit/>
+            <a:scene3d>
+              <a:camera prst="orthographicFront"/>
+              <a:lightRig rig="harsh" dir="t"/>
+            </a:scene3d>
+            <a:sp3d extrusionH="57150" prstMaterial="matte">
+              <a:bevelT w="63500" h="12700" prst="angle"/>
+              <a:contourClr>
+                <a:schemeClr val="bg1">
+                  <a:lumMod val="65000"/>
+                </a:schemeClr>
+              </a:contourClr>
+            </a:sp3d>
+          </a:bodyPr>
+          <a:lstStyle/>
+          <a:p>
+            <a:pPr algn="ctr"/>
+            <a:r>
+              <a:rPr lang="en-US" sz="4000" b="1" cap="none" spc="0" dirty="0">
+                <a:ln/>
+                <a:solidFill>
+                  <a:schemeClr val="accent1">
+                    <a:lumMod val="50000"/>
+                  </a:schemeClr>
+                </a:solidFill>
+                <a:effectLst/>
+              </a:rPr>
+              <a:t>Paris PowerShell &amp; WinOps</a:t>
+            </a:r>
+          </a:p>
+        </p:txBody>
+      </p:sp>
+      <p:pic>
+        <p:nvPicPr>
+          <p:cNvPr id="8" name="Picture 7" descr="A close up of a logo&#10;&#10;Description automatically generated">
+            <a:extLst>
+              <a:ext uri="{FF2B5EF4-FFF2-40B4-BE49-F238E27FC236}">
+                <a16:creationId xmlns:a16="http://schemas.microsoft.com/office/drawing/2014/main" id="{08143BEA-96C0-41F1-B868-3A9E390322CB}"/>
+              </a:ext>
+            </a:extLst>
+          </p:cNvPr>
+          <p:cNvPicPr>
+            <a:picLocks noChangeAspect="1"/>
+          </p:cNvPicPr>
+          <p:nvPr/>
+        </p:nvPicPr>
+        <p:blipFill>
+          <a:blip r:embed="rId2">
+            <a:alphaModFix amt="20000"/>
+            <a:extLst>
+              <a:ext uri="{28A0092B-C50C-407E-A947-70E740481C1C}">
+                <a14:useLocalDpi xmlns:a14="http://schemas.microsoft.com/office/drawing/2010/main" val="0"/>
+              </a:ext>
+            </a:extLst>
+          </a:blip>
+          <a:stretch>
+            <a:fillRect/>
+          </a:stretch>
+        </p:blipFill>
+        <p:spPr>
+          <a:xfrm>
+            <a:off x="10724407" y="1"/>
+            <a:ext cx="1357460" cy="1357460"/>
+          </a:xfrm>
+          <a:prstGeom prst="rect">
+            <a:avLst/>
+          </a:prstGeom>
+          <a:effectLst>
+            <a:reflection endPos="0" dist="50800" dir="5400000" sy="-100000" algn="bl" rotWithShape="0"/>
+          </a:effectLst>
+        </p:spPr>
+      </p:pic>
+      <p:pic>
+        <p:nvPicPr>
+          <p:cNvPr id="9" name="Picture 8" descr="A close up of a logo&#10;&#10;Description automatically generated">
+            <a:extLst>
+              <a:ext uri="{FF2B5EF4-FFF2-40B4-BE49-F238E27FC236}">
+                <a16:creationId xmlns:a16="http://schemas.microsoft.com/office/drawing/2014/main" id="{FC84A18E-AE27-4902-9CEE-7A4E64A06AAA}"/>
+              </a:ext>
+            </a:extLst>
+          </p:cNvPr>
+          <p:cNvPicPr>
+            <a:picLocks noChangeAspect="1"/>
+          </p:cNvPicPr>
+          <p:nvPr/>
+        </p:nvPicPr>
+        <p:blipFill>
+          <a:blip r:embed="rId3">
+            <a:alphaModFix amt="75000"/>
+            <a:extLst>
+              <a:ext uri="{28A0092B-C50C-407E-A947-70E740481C1C}">
+                <a14:useLocalDpi xmlns:a14="http://schemas.microsoft.com/office/drawing/2010/main" val="0"/>
+              </a:ext>
+            </a:extLst>
+          </a:blip>
+          <a:stretch>
+            <a:fillRect/>
+          </a:stretch>
+        </p:blipFill>
+        <p:spPr>
+          <a:xfrm>
+            <a:off x="10661177" y="323018"/>
+            <a:ext cx="917705" cy="917705"/>
+          </a:xfrm>
+          <a:prstGeom prst="rect">
+            <a:avLst/>
+          </a:prstGeom>
+          <a:effectLst>
+            <a:reflection endPos="0" dist="50800" dir="5400000" sy="-100000" algn="bl" rotWithShape="0"/>
+          </a:effectLst>
+        </p:spPr>
+      </p:pic>
+      <p:sp>
+        <p:nvSpPr>
+          <p:cNvPr id="4" name="TextBox 3">
+            <a:extLst>
+              <a:ext uri="{FF2B5EF4-FFF2-40B4-BE49-F238E27FC236}">
+                <a16:creationId xmlns:a16="http://schemas.microsoft.com/office/drawing/2014/main" id="{7CA39731-4DFE-4EFF-BF20-50B84BDED928}"/>
+              </a:ext>
+            </a:extLst>
+          </p:cNvPr>
+          <p:cNvSpPr txBox="1"/>
+          <p:nvPr/>
+        </p:nvSpPr>
+        <p:spPr>
+          <a:xfrm>
+            <a:off x="247863" y="1563740"/>
+            <a:ext cx="11331019" cy="2585323"/>
+          </a:xfrm>
+          <a:prstGeom prst="rect">
+            <a:avLst/>
+          </a:prstGeom>
+          <a:noFill/>
+        </p:spPr>
+        <p:txBody>
+          <a:bodyPr wrap="square" rtlCol="0">
+            <a:spAutoFit/>
+          </a:bodyPr>
+          <a:lstStyle/>
+          <a:p>
+            <a:r>
+              <a:rPr lang="fr-FR" dirty="0"/>
+              <a:t>Links</a:t>
+            </a:r>
+          </a:p>
+          <a:p>
+            <a:endParaRPr lang="fr-FR" dirty="0"/>
+          </a:p>
+          <a:p>
+            <a:pPr marL="285750" indent="-285750">
+              <a:buFont typeface="Arial" panose="020B0604020202020204" pitchFamily="34" charset="0"/>
+              <a:buChar char="•"/>
+            </a:pPr>
+            <a:r>
+              <a:rPr lang="fr-FR" dirty="0">
+                <a:hlinkClick r:id="rId4"/>
+              </a:rPr>
+              <a:t>https://help.github.com/en/actions/automating-your-workflow-with-github-actions</a:t>
+            </a:r>
+            <a:endParaRPr lang="fr-FR" dirty="0"/>
+          </a:p>
+          <a:p>
+            <a:pPr marL="285750" indent="-285750">
+              <a:buFont typeface="Arial" panose="020B0604020202020204" pitchFamily="34" charset="0"/>
+              <a:buChar char="•"/>
+            </a:pPr>
+            <a:endParaRPr lang="fr-FR" dirty="0"/>
+          </a:p>
+          <a:p>
+            <a:pPr marL="285750" indent="-285750">
+              <a:buFont typeface="Arial" panose="020B0604020202020204" pitchFamily="34" charset="0"/>
+              <a:buChar char="•"/>
+            </a:pPr>
+            <a:r>
+              <a:rPr lang="fr-FR" dirty="0">
+                <a:hlinkClick r:id="rId5"/>
+              </a:rPr>
+              <a:t>https://github.com/actions</a:t>
+            </a:r>
+            <a:endParaRPr lang="fr-FR" dirty="0"/>
+          </a:p>
+          <a:p>
+            <a:pPr marL="285750" indent="-285750">
+              <a:buFont typeface="Arial" panose="020B0604020202020204" pitchFamily="34" charset="0"/>
+              <a:buChar char="•"/>
+            </a:pPr>
+            <a:endParaRPr lang="fr-FR" dirty="0"/>
+          </a:p>
+          <a:p>
+            <a:pPr marL="285750" indent="-285750">
+              <a:buFont typeface="Arial" panose="020B0604020202020204" pitchFamily="34" charset="0"/>
+              <a:buChar char="•"/>
+            </a:pPr>
+            <a:r>
+              <a:rPr lang="fr-FR" dirty="0">
+                <a:hlinkClick r:id="rId6"/>
+              </a:rPr>
+              <a:t>https://help.github.com/en/actions/automating-your-workflow-with-github-actions/managing-a-workflow-run</a:t>
+            </a:r>
+            <a:endParaRPr lang="fr-FR" dirty="0"/>
+          </a:p>
+          <a:p>
+            <a:pPr marL="285750" indent="-285750">
+              <a:buFont typeface="Arial" panose="020B0604020202020204" pitchFamily="34" charset="0"/>
+              <a:buChar char="•"/>
+            </a:pPr>
+            <a:endParaRPr lang="fr-FR" dirty="0"/>
+          </a:p>
+          <a:p>
+            <a:pPr marL="285750" indent="-285750">
+              <a:buFont typeface="Arial" panose="020B0604020202020204" pitchFamily="34" charset="0"/>
+              <a:buChar char="•"/>
+            </a:pPr>
+            <a:r>
+              <a:rPr lang="fr-FR">
+                <a:hlinkClick r:id="rId7"/>
+              </a:rPr>
+              <a:t>https://github.com/sdras/awesome-actions</a:t>
+            </a:r>
+            <a:endParaRPr lang="fr-FR" dirty="0"/>
+          </a:p>
+        </p:txBody>
+      </p:sp>
+    </p:spTree>
+    <p:extLst>
+      <p:ext uri="{BB962C8B-B14F-4D97-AF65-F5344CB8AC3E}">
+        <p14:creationId xmlns:p14="http://schemas.microsoft.com/office/powerpoint/2010/main" val="513372109"/>
+      </p:ext>
+    </p:extLst>
+  </p:cSld>
+  <p:clrMapOvr>
+    <a:masterClrMapping/>
+  </p:clrMapOvr>
+</p:sld>
+</file>
+
+<file path=ppt/slides/slide8.xml><?xml version="1.0" encoding="utf-8"?>
 <p:sld xmlns:a="http://schemas.openxmlformats.org/drawingml/2006/main" xmlns:r="http://schemas.openxmlformats.org/officeDocument/2006/relationships" xmlns:p="http://schemas.openxmlformats.org/presentationml/2006/main">
   <p:cSld>
     <p:bg>
